--- a/IconEditor/Other_OSes.pptx
+++ b/IconEditor/Other_OSes.pptx
@@ -5,19 +5,21 @@
     <p:sldMasterId id="2147483672" r:id="rId1"/>
   </p:sldMasterIdLst>
   <p:notesMasterIdLst>
-    <p:notesMasterId r:id="rId12"/>
+    <p:notesMasterId r:id="rId14"/>
   </p:notesMasterIdLst>
   <p:sldIdLst>
     <p:sldId id="402" r:id="rId2"/>
     <p:sldId id="403" r:id="rId3"/>
     <p:sldId id="404" r:id="rId4"/>
     <p:sldId id="405" r:id="rId5"/>
-    <p:sldId id="406" r:id="rId6"/>
-    <p:sldId id="407" r:id="rId7"/>
-    <p:sldId id="408" r:id="rId8"/>
-    <p:sldId id="409" r:id="rId9"/>
-    <p:sldId id="345" r:id="rId10"/>
-    <p:sldId id="346" r:id="rId11"/>
+    <p:sldId id="410" r:id="rId6"/>
+    <p:sldId id="411" r:id="rId7"/>
+    <p:sldId id="406" r:id="rId8"/>
+    <p:sldId id="407" r:id="rId9"/>
+    <p:sldId id="408" r:id="rId10"/>
+    <p:sldId id="409" r:id="rId11"/>
+    <p:sldId id="345" r:id="rId12"/>
+    <p:sldId id="346" r:id="rId13"/>
   </p:sldIdLst>
   <p:sldSz cx="2438400" cy="2438400"/>
   <p:notesSz cx="6858000" cy="9144000"/>
@@ -129,6 +131,8 @@
           <p14:sldIdLst>
             <p14:sldId id="404"/>
             <p14:sldId id="405"/>
+            <p14:sldId id="410"/>
+            <p14:sldId id="411"/>
           </p14:sldIdLst>
         </p14:section>
         <p14:section name="3-KolibriOS" id="{82AF1A08-6444-436E-8FC1-21CA02DBFC09}">
@@ -240,7 +244,7 @@
           <a:p>
             <a:fld id="{963033C0-5CE6-43B5-824E-825800F4D89A}" type="datetimeFigureOut">
               <a:rPr lang="zh-CN" altLang="en-US" smtClean="0"/>
-              <a:t>2023-5-2</a:t>
+              <a:t>2023-6-15</a:t>
             </a:fld>
             <a:endParaRPr lang="zh-CN" altLang="en-US"/>
           </a:p>
@@ -695,6 +699,204 @@
     </p:spTree>
     <p:extLst>
       <p:ext uri="{BB962C8B-B14F-4D97-AF65-F5344CB8AC3E}">
+        <p14:creationId xmlns:p14="http://schemas.microsoft.com/office/powerpoint/2010/main" val="127517396"/>
+      </p:ext>
+    </p:extLst>
+  </p:cSld>
+  <p:clrMapOvr>
+    <a:masterClrMapping/>
+  </p:clrMapOvr>
+</p:notes>
+</file>
+
+<file path=ppt/notesSlides/notesSlide11.xml><?xml version="1.0" encoding="utf-8"?>
+<p:notes xmlns:a="http://schemas.openxmlformats.org/drawingml/2006/main" xmlns:r="http://schemas.openxmlformats.org/officeDocument/2006/relationships" xmlns:p="http://schemas.openxmlformats.org/presentationml/2006/main">
+  <p:cSld>
+    <p:spTree>
+      <p:nvGrpSpPr>
+        <p:cNvPr id="1" name=""/>
+        <p:cNvGrpSpPr/>
+        <p:nvPr/>
+      </p:nvGrpSpPr>
+      <p:grpSpPr>
+        <a:xfrm>
+          <a:off x="0" y="0"/>
+          <a:ext cx="0" cy="0"/>
+          <a:chOff x="0" y="0"/>
+          <a:chExt cx="0" cy="0"/>
+        </a:xfrm>
+      </p:grpSpPr>
+      <p:sp>
+        <p:nvSpPr>
+          <p:cNvPr id="2" name="幻灯片图像占位符 1"/>
+          <p:cNvSpPr>
+            <a:spLocks noGrp="1" noRot="1" noChangeAspect="1"/>
+          </p:cNvSpPr>
+          <p:nvPr>
+            <p:ph type="sldImg"/>
+          </p:nvPr>
+        </p:nvSpPr>
+        <p:spPr/>
+      </p:sp>
+      <p:sp>
+        <p:nvSpPr>
+          <p:cNvPr id="3" name="备注占位符 2"/>
+          <p:cNvSpPr>
+            <a:spLocks noGrp="1"/>
+          </p:cNvSpPr>
+          <p:nvPr>
+            <p:ph type="body" idx="1"/>
+          </p:nvPr>
+        </p:nvSpPr>
+        <p:spPr/>
+        <p:txBody>
+          <a:bodyPr/>
+          <a:lstStyle/>
+          <a:p>
+            <a:pPr marL="0" marR="0" lvl="0" indent="0" algn="l" defTabSz="914400" rtl="0" eaLnBrk="1" fontAlgn="auto" latinLnBrk="0" hangingPunct="1">
+              <a:lnSpc>
+                <a:spcPct val="100000"/>
+              </a:lnSpc>
+              <a:spcBef>
+                <a:spcPts val="0"/>
+              </a:spcBef>
+              <a:spcAft>
+                <a:spcPts val="0"/>
+              </a:spcAft>
+              <a:buClrTx/>
+              <a:buSzTx/>
+              <a:buFontTx/>
+              <a:buNone/>
+              <a:tabLst/>
+              <a:defRPr/>
+            </a:pPr>
+            <a:r>
+              <a:rPr lang="en-US" altLang="zh-CN" b="0" i="0" dirty="0">
+                <a:solidFill>
+                  <a:srgbClr val="343A40"/>
+                </a:solidFill>
+                <a:effectLst/>
+                <a:latin typeface="+mn-lt"/>
+              </a:rPr>
+              <a:t>Editor</a:t>
+            </a:r>
+          </a:p>
+        </p:txBody>
+      </p:sp>
+      <p:sp>
+        <p:nvSpPr>
+          <p:cNvPr id="4" name="灯片编号占位符 3"/>
+          <p:cNvSpPr>
+            <a:spLocks noGrp="1"/>
+          </p:cNvSpPr>
+          <p:nvPr>
+            <p:ph type="sldNum" sz="quarter" idx="5"/>
+          </p:nvPr>
+        </p:nvSpPr>
+        <p:spPr/>
+        <p:txBody>
+          <a:bodyPr/>
+          <a:lstStyle/>
+          <a:p>
+            <a:fld id="{C221E4B7-236D-4111-B769-FD4E3E28BE4E}" type="slidenum">
+              <a:rPr lang="zh-CN" altLang="en-US" smtClean="0"/>
+              <a:t>11</a:t>
+            </a:fld>
+            <a:endParaRPr lang="zh-CN" altLang="en-US"/>
+          </a:p>
+        </p:txBody>
+      </p:sp>
+    </p:spTree>
+    <p:extLst>
+      <p:ext uri="{BB962C8B-B14F-4D97-AF65-F5344CB8AC3E}">
+        <p14:creationId xmlns:p14="http://schemas.microsoft.com/office/powerpoint/2010/main" val="3255857839"/>
+      </p:ext>
+    </p:extLst>
+  </p:cSld>
+  <p:clrMapOvr>
+    <a:masterClrMapping/>
+  </p:clrMapOvr>
+</p:notes>
+</file>
+
+<file path=ppt/notesSlides/notesSlide12.xml><?xml version="1.0" encoding="utf-8"?>
+<p:notes xmlns:a="http://schemas.openxmlformats.org/drawingml/2006/main" xmlns:r="http://schemas.openxmlformats.org/officeDocument/2006/relationships" xmlns:p="http://schemas.openxmlformats.org/presentationml/2006/main">
+  <p:cSld>
+    <p:spTree>
+      <p:nvGrpSpPr>
+        <p:cNvPr id="1" name=""/>
+        <p:cNvGrpSpPr/>
+        <p:nvPr/>
+      </p:nvGrpSpPr>
+      <p:grpSpPr>
+        <a:xfrm>
+          <a:off x="0" y="0"/>
+          <a:ext cx="0" cy="0"/>
+          <a:chOff x="0" y="0"/>
+          <a:chExt cx="0" cy="0"/>
+        </a:xfrm>
+      </p:grpSpPr>
+      <p:sp>
+        <p:nvSpPr>
+          <p:cNvPr id="2" name="幻灯片图像占位符 1"/>
+          <p:cNvSpPr>
+            <a:spLocks noGrp="1" noRot="1" noChangeAspect="1"/>
+          </p:cNvSpPr>
+          <p:nvPr>
+            <p:ph type="sldImg"/>
+          </p:nvPr>
+        </p:nvSpPr>
+        <p:spPr/>
+      </p:sp>
+      <p:sp>
+        <p:nvSpPr>
+          <p:cNvPr id="3" name="备注占位符 2"/>
+          <p:cNvSpPr>
+            <a:spLocks noGrp="1"/>
+          </p:cNvSpPr>
+          <p:nvPr>
+            <p:ph type="body" idx="1"/>
+          </p:nvPr>
+        </p:nvSpPr>
+        <p:spPr/>
+        <p:txBody>
+          <a:bodyPr/>
+          <a:lstStyle/>
+          <a:p>
+            <a:r>
+              <a:rPr lang="en-US" altLang="zh-CN" dirty="0"/>
+              <a:t>PNG</a:t>
+            </a:r>
+            <a:endParaRPr lang="zh-CN" altLang="en-US" dirty="0"/>
+          </a:p>
+        </p:txBody>
+      </p:sp>
+      <p:sp>
+        <p:nvSpPr>
+          <p:cNvPr id="4" name="灯片编号占位符 3"/>
+          <p:cNvSpPr>
+            <a:spLocks noGrp="1"/>
+          </p:cNvSpPr>
+          <p:nvPr>
+            <p:ph type="sldNum" sz="quarter" idx="5"/>
+          </p:nvPr>
+        </p:nvSpPr>
+        <p:spPr/>
+        <p:txBody>
+          <a:bodyPr/>
+          <a:lstStyle/>
+          <a:p>
+            <a:fld id="{C221E4B7-236D-4111-B769-FD4E3E28BE4E}" type="slidenum">
+              <a:rPr lang="zh-CN" altLang="en-US" smtClean="0"/>
+              <a:t>12</a:t>
+            </a:fld>
+            <a:endParaRPr lang="zh-CN" altLang="en-US"/>
+          </a:p>
+        </p:txBody>
+      </p:sp>
+    </p:spTree>
+    <p:extLst>
+      <p:ext uri="{BB962C8B-B14F-4D97-AF65-F5344CB8AC3E}">
         <p14:creationId xmlns:p14="http://schemas.microsoft.com/office/powerpoint/2010/main" val="3325976716"/>
       </p:ext>
     </p:extLst>
@@ -1091,7 +1293,7 @@
     </p:spTree>
     <p:extLst>
       <p:ext uri="{BB962C8B-B14F-4D97-AF65-F5344CB8AC3E}">
-        <p14:creationId xmlns:p14="http://schemas.microsoft.com/office/powerpoint/2010/main" val="3241456250"/>
+        <p14:creationId xmlns:p14="http://schemas.microsoft.com/office/powerpoint/2010/main" val="2432187008"/>
       </p:ext>
     </p:extLst>
   </p:cSld>
@@ -1179,7 +1381,7 @@
     </p:spTree>
     <p:extLst>
       <p:ext uri="{BB962C8B-B14F-4D97-AF65-F5344CB8AC3E}">
-        <p14:creationId xmlns:p14="http://schemas.microsoft.com/office/powerpoint/2010/main" val="1614315580"/>
+        <p14:creationId xmlns:p14="http://schemas.microsoft.com/office/powerpoint/2010/main" val="3468145010"/>
       </p:ext>
     </p:extLst>
   </p:cSld>
@@ -1289,7 +1491,7 @@
     </p:spTree>
     <p:extLst>
       <p:ext uri="{BB962C8B-B14F-4D97-AF65-F5344CB8AC3E}">
-        <p14:creationId xmlns:p14="http://schemas.microsoft.com/office/powerpoint/2010/main" val="841736534"/>
+        <p14:creationId xmlns:p14="http://schemas.microsoft.com/office/powerpoint/2010/main" val="3241456250"/>
       </p:ext>
     </p:extLst>
   </p:cSld>
@@ -1377,7 +1579,7 @@
     </p:spTree>
     <p:extLst>
       <p:ext uri="{BB962C8B-B14F-4D97-AF65-F5344CB8AC3E}">
-        <p14:creationId xmlns:p14="http://schemas.microsoft.com/office/powerpoint/2010/main" val="127517396"/>
+        <p14:creationId xmlns:p14="http://schemas.microsoft.com/office/powerpoint/2010/main" val="1614315580"/>
       </p:ext>
     </p:extLst>
   </p:cSld>
@@ -1487,7 +1689,7 @@
     </p:spTree>
     <p:extLst>
       <p:ext uri="{BB962C8B-B14F-4D97-AF65-F5344CB8AC3E}">
-        <p14:creationId xmlns:p14="http://schemas.microsoft.com/office/powerpoint/2010/main" val="3255857839"/>
+        <p14:creationId xmlns:p14="http://schemas.microsoft.com/office/powerpoint/2010/main" val="841736534"/>
       </p:ext>
     </p:extLst>
   </p:cSld>
@@ -1628,7 +1830,7 @@
           <a:p>
             <a:fld id="{6786A9BE-9AB0-4816-9C4A-E57E7110ABF7}" type="datetimeFigureOut">
               <a:rPr lang="zh-CN" altLang="en-US" smtClean="0"/>
-              <a:t>2023-5-2</a:t>
+              <a:t>2023-6-15</a:t>
             </a:fld>
             <a:endParaRPr lang="zh-CN" altLang="en-US"/>
           </a:p>
@@ -1798,7 +2000,7 @@
           <a:p>
             <a:fld id="{6786A9BE-9AB0-4816-9C4A-E57E7110ABF7}" type="datetimeFigureOut">
               <a:rPr lang="zh-CN" altLang="en-US" smtClean="0"/>
-              <a:t>2023-5-2</a:t>
+              <a:t>2023-6-15</a:t>
             </a:fld>
             <a:endParaRPr lang="zh-CN" altLang="en-US"/>
           </a:p>
@@ -1978,7 +2180,7 @@
           <a:p>
             <a:fld id="{6786A9BE-9AB0-4816-9C4A-E57E7110ABF7}" type="datetimeFigureOut">
               <a:rPr lang="zh-CN" altLang="en-US" smtClean="0"/>
-              <a:t>2023-5-2</a:t>
+              <a:t>2023-6-15</a:t>
             </a:fld>
             <a:endParaRPr lang="zh-CN" altLang="en-US"/>
           </a:p>
@@ -2148,7 +2350,7 @@
           <a:p>
             <a:fld id="{6786A9BE-9AB0-4816-9C4A-E57E7110ABF7}" type="datetimeFigureOut">
               <a:rPr lang="zh-CN" altLang="en-US" smtClean="0"/>
-              <a:t>2023-5-2</a:t>
+              <a:t>2023-6-15</a:t>
             </a:fld>
             <a:endParaRPr lang="zh-CN" altLang="en-US"/>
           </a:p>
@@ -2392,7 +2594,7 @@
           <a:p>
             <a:fld id="{6786A9BE-9AB0-4816-9C4A-E57E7110ABF7}" type="datetimeFigureOut">
               <a:rPr lang="zh-CN" altLang="en-US" smtClean="0"/>
-              <a:t>2023-5-2</a:t>
+              <a:t>2023-6-15</a:t>
             </a:fld>
             <a:endParaRPr lang="zh-CN" altLang="en-US"/>
           </a:p>
@@ -2624,7 +2826,7 @@
           <a:p>
             <a:fld id="{6786A9BE-9AB0-4816-9C4A-E57E7110ABF7}" type="datetimeFigureOut">
               <a:rPr lang="zh-CN" altLang="en-US" smtClean="0"/>
-              <a:t>2023-5-2</a:t>
+              <a:t>2023-6-15</a:t>
             </a:fld>
             <a:endParaRPr lang="zh-CN" altLang="en-US"/>
           </a:p>
@@ -2991,7 +3193,7 @@
           <a:p>
             <a:fld id="{6786A9BE-9AB0-4816-9C4A-E57E7110ABF7}" type="datetimeFigureOut">
               <a:rPr lang="zh-CN" altLang="en-US" smtClean="0"/>
-              <a:t>2023-5-2</a:t>
+              <a:t>2023-6-15</a:t>
             </a:fld>
             <a:endParaRPr lang="zh-CN" altLang="en-US"/>
           </a:p>
@@ -3109,7 +3311,7 @@
           <a:p>
             <a:fld id="{6786A9BE-9AB0-4816-9C4A-E57E7110ABF7}" type="datetimeFigureOut">
               <a:rPr lang="zh-CN" altLang="en-US" smtClean="0"/>
-              <a:t>2023-5-2</a:t>
+              <a:t>2023-6-15</a:t>
             </a:fld>
             <a:endParaRPr lang="zh-CN" altLang="en-US"/>
           </a:p>
@@ -3204,7 +3406,7 @@
           <a:p>
             <a:fld id="{6786A9BE-9AB0-4816-9C4A-E57E7110ABF7}" type="datetimeFigureOut">
               <a:rPr lang="zh-CN" altLang="en-US" smtClean="0"/>
-              <a:t>2023-5-2</a:t>
+              <a:t>2023-6-15</a:t>
             </a:fld>
             <a:endParaRPr lang="zh-CN" altLang="en-US"/>
           </a:p>
@@ -3481,7 +3683,7 @@
           <a:p>
             <a:fld id="{6786A9BE-9AB0-4816-9C4A-E57E7110ABF7}" type="datetimeFigureOut">
               <a:rPr lang="zh-CN" altLang="en-US" smtClean="0"/>
-              <a:t>2023-5-2</a:t>
+              <a:t>2023-6-15</a:t>
             </a:fld>
             <a:endParaRPr lang="zh-CN" altLang="en-US"/>
           </a:p>
@@ -3738,7 +3940,7 @@
           <a:p>
             <a:fld id="{6786A9BE-9AB0-4816-9C4A-E57E7110ABF7}" type="datetimeFigureOut">
               <a:rPr lang="zh-CN" altLang="en-US" smtClean="0"/>
-              <a:t>2023-5-2</a:t>
+              <a:t>2023-6-15</a:t>
             </a:fld>
             <a:endParaRPr lang="zh-CN" altLang="en-US"/>
           </a:p>
@@ -3954,7 +4156,7 @@
           <a:p>
             <a:fld id="{6786A9BE-9AB0-4816-9C4A-E57E7110ABF7}" type="datetimeFigureOut">
               <a:rPr lang="zh-CN" altLang="en-US" smtClean="0"/>
-              <a:t>2023-5-2</a:t>
+              <a:t>2023-6-15</a:t>
             </a:fld>
             <a:endParaRPr lang="zh-CN" altLang="en-US"/>
           </a:p>
@@ -4504,6 +4706,137 @@
           <a:chExt cx="0" cy="0"/>
         </a:xfrm>
       </p:grpSpPr>
+      <p:pic>
+        <p:nvPicPr>
+          <p:cNvPr id="3" name="图片 2">
+            <a:extLst>
+              <a:ext uri="{FF2B5EF4-FFF2-40B4-BE49-F238E27FC236}">
+                <a16:creationId xmlns:a16="http://schemas.microsoft.com/office/drawing/2014/main" id="{AC56919D-B236-CB00-9737-16EFFADB4EEE}"/>
+              </a:ext>
+            </a:extLst>
+          </p:cNvPr>
+          <p:cNvPicPr>
+            <a:picLocks noChangeAspect="1"/>
+          </p:cNvPicPr>
+          <p:nvPr/>
+        </p:nvPicPr>
+        <p:blipFill>
+          <a:blip r:embed="rId3">
+            <a:extLst>
+              <a:ext uri="{28A0092B-C50C-407E-A947-70E740481C1C}">
+                <a14:useLocalDpi xmlns:a14="http://schemas.microsoft.com/office/drawing/2010/main" val="0"/>
+              </a:ext>
+            </a:extLst>
+          </a:blip>
+          <a:srcRect/>
+          <a:stretch/>
+        </p:blipFill>
+        <p:spPr>
+          <a:xfrm>
+            <a:off x="0" y="0"/>
+            <a:ext cx="2438400" cy="2438400"/>
+          </a:xfrm>
+          <a:prstGeom prst="rect">
+            <a:avLst/>
+          </a:prstGeom>
+        </p:spPr>
+      </p:pic>
+    </p:spTree>
+    <p:extLst>
+      <p:ext uri="{BB962C8B-B14F-4D97-AF65-F5344CB8AC3E}">
+        <p14:creationId xmlns:p14="http://schemas.microsoft.com/office/powerpoint/2010/main" val="1372449799"/>
+      </p:ext>
+    </p:extLst>
+  </p:cSld>
+  <p:clrMapOvr>
+    <a:masterClrMapping/>
+  </p:clrMapOvr>
+</p:sld>
+</file>
+
+<file path=ppt/slides/slide11.xml><?xml version="1.0" encoding="utf-8"?>
+<p:sld xmlns:a="http://schemas.openxmlformats.org/drawingml/2006/main" xmlns:r="http://schemas.openxmlformats.org/officeDocument/2006/relationships" xmlns:p="http://schemas.openxmlformats.org/presentationml/2006/main">
+  <p:cSld>
+    <p:spTree>
+      <p:nvGrpSpPr>
+        <p:cNvPr id="1" name=""/>
+        <p:cNvGrpSpPr/>
+        <p:nvPr/>
+      </p:nvGrpSpPr>
+      <p:grpSpPr>
+        <a:xfrm>
+          <a:off x="0" y="0"/>
+          <a:ext cx="0" cy="0"/>
+          <a:chOff x="0" y="0"/>
+          <a:chExt cx="0" cy="0"/>
+        </a:xfrm>
+      </p:grpSpPr>
+      <p:pic>
+        <p:nvPicPr>
+          <p:cNvPr id="3" name="图片 2">
+            <a:extLst>
+              <a:ext uri="{FF2B5EF4-FFF2-40B4-BE49-F238E27FC236}">
+                <a16:creationId xmlns:a16="http://schemas.microsoft.com/office/drawing/2014/main" id="{C8C6938B-9499-8756-F601-B19093137DEC}"/>
+              </a:ext>
+            </a:extLst>
+          </p:cNvPr>
+          <p:cNvPicPr>
+            <a:picLocks noChangeAspect="1"/>
+          </p:cNvPicPr>
+          <p:nvPr/>
+        </p:nvPicPr>
+        <p:blipFill>
+          <a:blip r:embed="rId3">
+            <a:alphaModFix amt="35000"/>
+            <a:extLst>
+              <a:ext uri="{28A0092B-C50C-407E-A947-70E740481C1C}">
+                <a14:useLocalDpi xmlns:a14="http://schemas.microsoft.com/office/drawing/2010/main" val="0"/>
+              </a:ext>
+            </a:extLst>
+          </a:blip>
+          <a:srcRect/>
+          <a:stretch/>
+        </p:blipFill>
+        <p:spPr>
+          <a:xfrm>
+            <a:off x="0" y="0"/>
+            <a:ext cx="2438400" cy="2438400"/>
+          </a:xfrm>
+          <a:prstGeom prst="rect">
+            <a:avLst/>
+          </a:prstGeom>
+        </p:spPr>
+      </p:pic>
+    </p:spTree>
+    <p:extLst>
+      <p:ext uri="{BB962C8B-B14F-4D97-AF65-F5344CB8AC3E}">
+        <p14:creationId xmlns:p14="http://schemas.microsoft.com/office/powerpoint/2010/main" val="2395890437"/>
+      </p:ext>
+    </p:extLst>
+  </p:cSld>
+  <p:clrMapOvr>
+    <a:masterClrMapping/>
+  </p:clrMapOvr>
+</p:sld>
+</file>
+
+<file path=ppt/slides/slide12.xml><?xml version="1.0" encoding="utf-8"?>
+<p:sld xmlns:a="http://schemas.openxmlformats.org/drawingml/2006/main" xmlns:r="http://schemas.openxmlformats.org/officeDocument/2006/relationships" xmlns:p="http://schemas.openxmlformats.org/presentationml/2006/main">
+  <p:cSld>
+    <p:spTree>
+      <p:nvGrpSpPr>
+        <p:cNvPr id="1" name=""/>
+        <p:cNvGrpSpPr/>
+        <p:nvPr/>
+      </p:nvGrpSpPr>
+      <p:grpSpPr>
+        <a:xfrm>
+          <a:off x="0" y="0"/>
+          <a:ext cx="0" cy="0"/>
+          <a:chOff x="0" y="0"/>
+          <a:chExt cx="0" cy="0"/>
+        </a:xfrm>
+      </p:grpSpPr>
     </p:spTree>
     <p:extLst>
       <p:ext uri="{BB962C8B-B14F-4D97-AF65-F5344CB8AC3E}">
@@ -4637,89 +4970,10 @@
       </p:pic>
       <p:grpSp>
         <p:nvGrpSpPr>
-          <p:cNvPr id="6" name="组合 5">
+          <p:cNvPr id="12" name="组合 11">
             <a:extLst>
               <a:ext uri="{FF2B5EF4-FFF2-40B4-BE49-F238E27FC236}">
-                <a16:creationId xmlns:a16="http://schemas.microsoft.com/office/drawing/2014/main" id="{B62E4E0B-2720-0DB1-88ED-BA2C08960125}"/>
-              </a:ext>
-            </a:extLst>
-          </p:cNvPr>
-          <p:cNvGrpSpPr/>
-          <p:nvPr/>
-        </p:nvGrpSpPr>
-        <p:grpSpPr>
-          <a:xfrm>
-            <a:off x="-2986681" y="-2166059"/>
-            <a:ext cx="2438400" cy="2438400"/>
-            <a:chOff x="0" y="0"/>
-            <a:chExt cx="2438400" cy="2438400"/>
-          </a:xfrm>
-        </p:grpSpPr>
-        <p:pic>
-          <p:nvPicPr>
-            <p:cNvPr id="4" name="图片 3">
-              <a:extLst>
-                <a:ext uri="{FF2B5EF4-FFF2-40B4-BE49-F238E27FC236}">
-                  <a16:creationId xmlns:a16="http://schemas.microsoft.com/office/drawing/2014/main" id="{FDE9374A-D12B-69D4-63BF-B318AA1555CD}"/>
-                </a:ext>
-              </a:extLst>
-            </p:cNvPr>
-            <p:cNvPicPr>
-              <a:picLocks noChangeAspect="1"/>
-            </p:cNvPicPr>
-            <p:nvPr/>
-          </p:nvPicPr>
-          <p:blipFill rotWithShape="1">
-            <a:blip r:embed="rId4"/>
-            <a:srcRect l="-22738" r="-22074"/>
-            <a:stretch/>
-          </p:blipFill>
-          <p:spPr>
-            <a:xfrm>
-              <a:off x="0" y="0"/>
-              <a:ext cx="2438400" cy="1683834"/>
-            </a:xfrm>
-            <a:prstGeom prst="rect">
-              <a:avLst/>
-            </a:prstGeom>
-          </p:spPr>
-        </p:pic>
-        <p:pic>
-          <p:nvPicPr>
-            <p:cNvPr id="7" name="图片 6">
-              <a:extLst>
-                <a:ext uri="{FF2B5EF4-FFF2-40B4-BE49-F238E27FC236}">
-                  <a16:creationId xmlns:a16="http://schemas.microsoft.com/office/drawing/2014/main" id="{54B0C7E6-A646-E899-CB84-65B7B9C3F931}"/>
-                </a:ext>
-              </a:extLst>
-            </p:cNvPr>
-            <p:cNvPicPr>
-              <a:picLocks noChangeAspect="1"/>
-            </p:cNvPicPr>
-            <p:nvPr/>
-          </p:nvPicPr>
-          <p:blipFill rotWithShape="1">
-            <a:blip r:embed="rId5"/>
-            <a:srcRect l="24119" t="1" b="-20461"/>
-            <a:stretch/>
-          </p:blipFill>
-          <p:spPr>
-            <a:xfrm>
-              <a:off x="248968" y="1699082"/>
-              <a:ext cx="1940464" cy="739318"/>
-            </a:xfrm>
-            <a:prstGeom prst="rect">
-              <a:avLst/>
-            </a:prstGeom>
-          </p:spPr>
-        </p:pic>
-      </p:grpSp>
-      <p:grpSp>
-        <p:nvGrpSpPr>
-          <p:cNvPr id="10" name="组合 9">
-            <a:extLst>
-              <a:ext uri="{FF2B5EF4-FFF2-40B4-BE49-F238E27FC236}">
-                <a16:creationId xmlns:a16="http://schemas.microsoft.com/office/drawing/2014/main" id="{2EE0867B-40D5-E05C-26B9-713820EFB7FC}"/>
+                <a16:creationId xmlns:a16="http://schemas.microsoft.com/office/drawing/2014/main" id="{12E06444-23EC-44A3-5EC6-61D81EFB3FA3}"/>
               </a:ext>
             </a:extLst>
           </p:cNvPr>
@@ -4729,40 +4983,11 @@
         <p:grpSpPr>
           <a:xfrm>
             <a:off x="0" y="-1"/>
-            <a:ext cx="2438400" cy="2438402"/>
+            <a:ext cx="2438400" cy="2438400"/>
             <a:chOff x="0" y="-1"/>
-            <a:chExt cx="2438400" cy="2438402"/>
+            <a:chExt cx="2438400" cy="2438400"/>
           </a:xfrm>
         </p:grpSpPr>
-        <p:pic>
-          <p:nvPicPr>
-            <p:cNvPr id="5" name="图片 4">
-              <a:extLst>
-                <a:ext uri="{FF2B5EF4-FFF2-40B4-BE49-F238E27FC236}">
-                  <a16:creationId xmlns:a16="http://schemas.microsoft.com/office/drawing/2014/main" id="{49BBC850-6B33-AEEC-0850-DC7E9527BEA2}"/>
-                </a:ext>
-              </a:extLst>
-            </p:cNvPr>
-            <p:cNvPicPr>
-              <a:picLocks noChangeAspect="1"/>
-            </p:cNvPicPr>
-            <p:nvPr/>
-          </p:nvPicPr>
-          <p:blipFill rotWithShape="1">
-            <a:blip r:embed="rId6"/>
-            <a:srcRect l="-24092" t="-667" r="-20720" b="8149"/>
-            <a:stretch/>
-          </p:blipFill>
-          <p:spPr>
-            <a:xfrm>
-              <a:off x="0" y="1581585"/>
-              <a:ext cx="2438400" cy="856816"/>
-            </a:xfrm>
-            <a:prstGeom prst="rect">
-              <a:avLst/>
-            </a:prstGeom>
-          </p:spPr>
-        </p:pic>
         <p:pic>
           <p:nvPicPr>
             <p:cNvPr id="9" name="图片 8">
@@ -4778,7 +5003,7 @@
             <p:nvPr/>
           </p:nvPicPr>
           <p:blipFill rotWithShape="1">
-            <a:blip r:embed="rId7">
+            <a:blip r:embed="rId4">
               <a:extLst>
                 <a:ext uri="{28A0092B-C50C-407E-A947-70E740481C1C}">
                   <a14:useLocalDpi xmlns:a14="http://schemas.microsoft.com/office/drawing/2010/main" val="0"/>
@@ -4792,6 +5017,64 @@
             <a:xfrm>
               <a:off x="414600" y="-1"/>
               <a:ext cx="1609200" cy="1666801"/>
+            </a:xfrm>
+            <a:prstGeom prst="rect">
+              <a:avLst/>
+            </a:prstGeom>
+          </p:spPr>
+        </p:pic>
+        <p:pic>
+          <p:nvPicPr>
+            <p:cNvPr id="2" name="图片 1">
+              <a:extLst>
+                <a:ext uri="{FF2B5EF4-FFF2-40B4-BE49-F238E27FC236}">
+                  <a16:creationId xmlns:a16="http://schemas.microsoft.com/office/drawing/2014/main" id="{04BE8D67-25DF-DDA2-C5DD-D0B01175CFAC}"/>
+                </a:ext>
+              </a:extLst>
+            </p:cNvPr>
+            <p:cNvPicPr>
+              <a:picLocks noChangeAspect="1"/>
+            </p:cNvPicPr>
+            <p:nvPr/>
+          </p:nvPicPr>
+          <p:blipFill rotWithShape="1">
+            <a:blip r:embed="rId5"/>
+            <a:srcRect l="-3892" t="-1" r="75554" b="-15224"/>
+            <a:stretch/>
+          </p:blipFill>
+          <p:spPr>
+            <a:xfrm>
+              <a:off x="0" y="1719722"/>
+              <a:ext cx="834640" cy="718677"/>
+            </a:xfrm>
+            <a:prstGeom prst="rect">
+              <a:avLst/>
+            </a:prstGeom>
+          </p:spPr>
+        </p:pic>
+        <p:pic>
+          <p:nvPicPr>
+            <p:cNvPr id="11" name="图片 10">
+              <a:extLst>
+                <a:ext uri="{FF2B5EF4-FFF2-40B4-BE49-F238E27FC236}">
+                  <a16:creationId xmlns:a16="http://schemas.microsoft.com/office/drawing/2014/main" id="{F6B9681E-AC1D-CDED-16A1-427107C07651}"/>
+                </a:ext>
+              </a:extLst>
+            </p:cNvPr>
+            <p:cNvPicPr>
+              <a:picLocks noChangeAspect="1"/>
+            </p:cNvPicPr>
+            <p:nvPr/>
+          </p:nvPicPr>
+          <p:blipFill rotWithShape="1">
+            <a:blip r:embed="rId5"/>
+            <a:srcRect l="25633" r="-956"/>
+            <a:stretch/>
+          </p:blipFill>
+          <p:spPr>
+            <a:xfrm>
+              <a:off x="797566" y="1783923"/>
+              <a:ext cx="1640834" cy="461320"/>
             </a:xfrm>
             <a:prstGeom prst="rect">
               <a:avLst/>
@@ -4831,10 +5114,10 @@
       </p:grpSpPr>
       <p:pic>
         <p:nvPicPr>
-          <p:cNvPr id="4" name="图片 3">
+          <p:cNvPr id="3" name="图片 2">
             <a:extLst>
               <a:ext uri="{FF2B5EF4-FFF2-40B4-BE49-F238E27FC236}">
-                <a16:creationId xmlns:a16="http://schemas.microsoft.com/office/drawing/2014/main" id="{5C75074F-4BD6-911B-8F27-862C9E7FA1B6}"/>
+                <a16:creationId xmlns:a16="http://schemas.microsoft.com/office/drawing/2014/main" id="{96BBF545-271B-1092-5B90-1EB0CEA1B71C}"/>
               </a:ext>
             </a:extLst>
           </p:cNvPr>
@@ -4879,6 +5162,218 @@
 </file>
 
 <file path=ppt/slides/slide5.xml><?xml version="1.0" encoding="utf-8"?>
+<p:sld xmlns:a="http://schemas.openxmlformats.org/drawingml/2006/main" xmlns:r="http://schemas.openxmlformats.org/officeDocument/2006/relationships" xmlns:p="http://schemas.openxmlformats.org/presentationml/2006/main">
+  <p:cSld>
+    <p:spTree>
+      <p:nvGrpSpPr>
+        <p:cNvPr id="1" name=""/>
+        <p:cNvGrpSpPr/>
+        <p:nvPr/>
+      </p:nvGrpSpPr>
+      <p:grpSpPr>
+        <a:xfrm>
+          <a:off x="0" y="0"/>
+          <a:ext cx="0" cy="0"/>
+          <a:chOff x="0" y="0"/>
+          <a:chExt cx="0" cy="0"/>
+        </a:xfrm>
+      </p:grpSpPr>
+      <p:pic>
+        <p:nvPicPr>
+          <p:cNvPr id="3" name="图片 2">
+            <a:extLst>
+              <a:ext uri="{FF2B5EF4-FFF2-40B4-BE49-F238E27FC236}">
+                <a16:creationId xmlns:a16="http://schemas.microsoft.com/office/drawing/2014/main" id="{C8C6938B-9499-8756-F601-B19093137DEC}"/>
+              </a:ext>
+            </a:extLst>
+          </p:cNvPr>
+          <p:cNvPicPr>
+            <a:picLocks noChangeAspect="1"/>
+          </p:cNvPicPr>
+          <p:nvPr/>
+        </p:nvPicPr>
+        <p:blipFill>
+          <a:blip r:embed="rId3">
+            <a:alphaModFix amt="35000"/>
+            <a:extLst>
+              <a:ext uri="{28A0092B-C50C-407E-A947-70E740481C1C}">
+                <a14:useLocalDpi xmlns:a14="http://schemas.microsoft.com/office/drawing/2010/main" val="0"/>
+              </a:ext>
+            </a:extLst>
+          </a:blip>
+          <a:srcRect/>
+          <a:stretch/>
+        </p:blipFill>
+        <p:spPr>
+          <a:xfrm>
+            <a:off x="0" y="0"/>
+            <a:ext cx="2438400" cy="2438400"/>
+          </a:xfrm>
+          <a:prstGeom prst="rect">
+            <a:avLst/>
+          </a:prstGeom>
+        </p:spPr>
+      </p:pic>
+      <p:grpSp>
+        <p:nvGrpSpPr>
+          <p:cNvPr id="7" name="组合 6">
+            <a:extLst>
+              <a:ext uri="{FF2B5EF4-FFF2-40B4-BE49-F238E27FC236}">
+                <a16:creationId xmlns:a16="http://schemas.microsoft.com/office/drawing/2014/main" id="{202799C6-B1AE-F84A-FF47-9B8DEA96DA1B}"/>
+              </a:ext>
+            </a:extLst>
+          </p:cNvPr>
+          <p:cNvGrpSpPr/>
+          <p:nvPr/>
+        </p:nvGrpSpPr>
+        <p:grpSpPr>
+          <a:xfrm>
+            <a:off x="0" y="0"/>
+            <a:ext cx="2438400" cy="2438400"/>
+            <a:chOff x="0" y="0"/>
+            <a:chExt cx="2438400" cy="2438400"/>
+          </a:xfrm>
+        </p:grpSpPr>
+        <p:pic>
+          <p:nvPicPr>
+            <p:cNvPr id="4" name="图片 3">
+              <a:extLst>
+                <a:ext uri="{FF2B5EF4-FFF2-40B4-BE49-F238E27FC236}">
+                  <a16:creationId xmlns:a16="http://schemas.microsoft.com/office/drawing/2014/main" id="{CB697316-E439-7F81-0402-BED31E5539E6}"/>
+                </a:ext>
+              </a:extLst>
+            </p:cNvPr>
+            <p:cNvPicPr>
+              <a:picLocks noChangeAspect="1"/>
+            </p:cNvPicPr>
+            <p:nvPr/>
+          </p:nvPicPr>
+          <p:blipFill rotWithShape="1">
+            <a:blip r:embed="rId4"/>
+            <a:srcRect l="-22738" r="-22074"/>
+            <a:stretch/>
+          </p:blipFill>
+          <p:spPr>
+            <a:xfrm>
+              <a:off x="0" y="0"/>
+              <a:ext cx="2438400" cy="1683834"/>
+            </a:xfrm>
+            <a:prstGeom prst="rect">
+              <a:avLst/>
+            </a:prstGeom>
+          </p:spPr>
+        </p:pic>
+        <p:pic>
+          <p:nvPicPr>
+            <p:cNvPr id="6" name="图片 5">
+              <a:extLst>
+                <a:ext uri="{FF2B5EF4-FFF2-40B4-BE49-F238E27FC236}">
+                  <a16:creationId xmlns:a16="http://schemas.microsoft.com/office/drawing/2014/main" id="{D82818FE-8BF1-5103-F16F-AE8CF3D99330}"/>
+                </a:ext>
+              </a:extLst>
+            </p:cNvPr>
+            <p:cNvPicPr>
+              <a:picLocks noChangeAspect="1"/>
+            </p:cNvPicPr>
+            <p:nvPr/>
+          </p:nvPicPr>
+          <p:blipFill>
+            <a:blip r:embed="rId5"/>
+            <a:stretch>
+              <a:fillRect/>
+            </a:stretch>
+          </p:blipFill>
+          <p:spPr>
+            <a:xfrm>
+              <a:off x="0" y="1578863"/>
+              <a:ext cx="2438400" cy="859537"/>
+            </a:xfrm>
+            <a:prstGeom prst="rect">
+              <a:avLst/>
+            </a:prstGeom>
+          </p:spPr>
+        </p:pic>
+      </p:grpSp>
+    </p:spTree>
+    <p:extLst>
+      <p:ext uri="{BB962C8B-B14F-4D97-AF65-F5344CB8AC3E}">
+        <p14:creationId xmlns:p14="http://schemas.microsoft.com/office/powerpoint/2010/main" val="370092761"/>
+      </p:ext>
+    </p:extLst>
+  </p:cSld>
+  <p:clrMapOvr>
+    <a:masterClrMapping/>
+  </p:clrMapOvr>
+</p:sld>
+</file>
+
+<file path=ppt/slides/slide6.xml><?xml version="1.0" encoding="utf-8"?>
+<p:sld xmlns:a="http://schemas.openxmlformats.org/drawingml/2006/main" xmlns:r="http://schemas.openxmlformats.org/officeDocument/2006/relationships" xmlns:p="http://schemas.openxmlformats.org/presentationml/2006/main">
+  <p:cSld>
+    <p:spTree>
+      <p:nvGrpSpPr>
+        <p:cNvPr id="1" name=""/>
+        <p:cNvGrpSpPr/>
+        <p:nvPr/>
+      </p:nvGrpSpPr>
+      <p:grpSpPr>
+        <a:xfrm>
+          <a:off x="0" y="0"/>
+          <a:ext cx="0" cy="0"/>
+          <a:chOff x="0" y="0"/>
+          <a:chExt cx="0" cy="0"/>
+        </a:xfrm>
+      </p:grpSpPr>
+      <p:pic>
+        <p:nvPicPr>
+          <p:cNvPr id="3" name="图片 2">
+            <a:extLst>
+              <a:ext uri="{FF2B5EF4-FFF2-40B4-BE49-F238E27FC236}">
+                <a16:creationId xmlns:a16="http://schemas.microsoft.com/office/drawing/2014/main" id="{A0615DF9-F320-C487-9482-7079E4263983}"/>
+              </a:ext>
+            </a:extLst>
+          </p:cNvPr>
+          <p:cNvPicPr>
+            <a:picLocks noChangeAspect="1"/>
+          </p:cNvPicPr>
+          <p:nvPr/>
+        </p:nvPicPr>
+        <p:blipFill>
+          <a:blip r:embed="rId3">
+            <a:extLst>
+              <a:ext uri="{28A0092B-C50C-407E-A947-70E740481C1C}">
+                <a14:useLocalDpi xmlns:a14="http://schemas.microsoft.com/office/drawing/2010/main" val="0"/>
+              </a:ext>
+            </a:extLst>
+          </a:blip>
+          <a:stretch>
+            <a:fillRect/>
+          </a:stretch>
+        </p:blipFill>
+        <p:spPr>
+          <a:xfrm>
+            <a:off x="0" y="0"/>
+            <a:ext cx="2438400" cy="2438400"/>
+          </a:xfrm>
+          <a:prstGeom prst="rect">
+            <a:avLst/>
+          </a:prstGeom>
+        </p:spPr>
+      </p:pic>
+    </p:spTree>
+    <p:extLst>
+      <p:ext uri="{BB962C8B-B14F-4D97-AF65-F5344CB8AC3E}">
+        <p14:creationId xmlns:p14="http://schemas.microsoft.com/office/powerpoint/2010/main" val="1966414193"/>
+      </p:ext>
+    </p:extLst>
+  </p:cSld>
+  <p:clrMapOvr>
+    <a:masterClrMapping/>
+  </p:clrMapOvr>
+</p:sld>
+</file>
+
+<file path=ppt/slides/slide7.xml><?xml version="1.0" encoding="utf-8"?>
 <p:sld xmlns:a="http://schemas.openxmlformats.org/drawingml/2006/main" xmlns:r="http://schemas.openxmlformats.org/officeDocument/2006/relationships" xmlns:p="http://schemas.openxmlformats.org/presentationml/2006/main">
   <p:cSld>
     <p:spTree>
@@ -5082,7 +5577,7 @@
 </p:sld>
 </file>
 
-<file path=ppt/slides/slide6.xml><?xml version="1.0" encoding="utf-8"?>
+<file path=ppt/slides/slide8.xml><?xml version="1.0" encoding="utf-8"?>
 <p:sld xmlns:a="http://schemas.openxmlformats.org/drawingml/2006/main" xmlns:r="http://schemas.openxmlformats.org/officeDocument/2006/relationships" xmlns:p="http://schemas.openxmlformats.org/presentationml/2006/main">
   <p:cSld>
     <p:spTree>
@@ -5148,7 +5643,7 @@
 </p:sld>
 </file>
 
-<file path=ppt/slides/slide7.xml><?xml version="1.0" encoding="utf-8"?>
+<file path=ppt/slides/slide9.xml><?xml version="1.0" encoding="utf-8"?>
 <p:sld xmlns:a="http://schemas.openxmlformats.org/drawingml/2006/main" xmlns:r="http://schemas.openxmlformats.org/officeDocument/2006/relationships" xmlns:p="http://schemas.openxmlformats.org/presentationml/2006/main">
   <p:cSld>
     <p:spTree>
@@ -5296,137 +5791,6 @@
     <p:extLst>
       <p:ext uri="{BB962C8B-B14F-4D97-AF65-F5344CB8AC3E}">
         <p14:creationId xmlns:p14="http://schemas.microsoft.com/office/powerpoint/2010/main" val="431085616"/>
-      </p:ext>
-    </p:extLst>
-  </p:cSld>
-  <p:clrMapOvr>
-    <a:masterClrMapping/>
-  </p:clrMapOvr>
-</p:sld>
-</file>
-
-<file path=ppt/slides/slide8.xml><?xml version="1.0" encoding="utf-8"?>
-<p:sld xmlns:a="http://schemas.openxmlformats.org/drawingml/2006/main" xmlns:r="http://schemas.openxmlformats.org/officeDocument/2006/relationships" xmlns:p="http://schemas.openxmlformats.org/presentationml/2006/main">
-  <p:cSld>
-    <p:spTree>
-      <p:nvGrpSpPr>
-        <p:cNvPr id="1" name=""/>
-        <p:cNvGrpSpPr/>
-        <p:nvPr/>
-      </p:nvGrpSpPr>
-      <p:grpSpPr>
-        <a:xfrm>
-          <a:off x="0" y="0"/>
-          <a:ext cx="0" cy="0"/>
-          <a:chOff x="0" y="0"/>
-          <a:chExt cx="0" cy="0"/>
-        </a:xfrm>
-      </p:grpSpPr>
-      <p:pic>
-        <p:nvPicPr>
-          <p:cNvPr id="3" name="图片 2">
-            <a:extLst>
-              <a:ext uri="{FF2B5EF4-FFF2-40B4-BE49-F238E27FC236}">
-                <a16:creationId xmlns:a16="http://schemas.microsoft.com/office/drawing/2014/main" id="{AC56919D-B236-CB00-9737-16EFFADB4EEE}"/>
-              </a:ext>
-            </a:extLst>
-          </p:cNvPr>
-          <p:cNvPicPr>
-            <a:picLocks noChangeAspect="1"/>
-          </p:cNvPicPr>
-          <p:nvPr/>
-        </p:nvPicPr>
-        <p:blipFill>
-          <a:blip r:embed="rId3">
-            <a:extLst>
-              <a:ext uri="{28A0092B-C50C-407E-A947-70E740481C1C}">
-                <a14:useLocalDpi xmlns:a14="http://schemas.microsoft.com/office/drawing/2010/main" val="0"/>
-              </a:ext>
-            </a:extLst>
-          </a:blip>
-          <a:srcRect/>
-          <a:stretch/>
-        </p:blipFill>
-        <p:spPr>
-          <a:xfrm>
-            <a:off x="0" y="0"/>
-            <a:ext cx="2438400" cy="2438400"/>
-          </a:xfrm>
-          <a:prstGeom prst="rect">
-            <a:avLst/>
-          </a:prstGeom>
-        </p:spPr>
-      </p:pic>
-    </p:spTree>
-    <p:extLst>
-      <p:ext uri="{BB962C8B-B14F-4D97-AF65-F5344CB8AC3E}">
-        <p14:creationId xmlns:p14="http://schemas.microsoft.com/office/powerpoint/2010/main" val="1372449799"/>
-      </p:ext>
-    </p:extLst>
-  </p:cSld>
-  <p:clrMapOvr>
-    <a:masterClrMapping/>
-  </p:clrMapOvr>
-</p:sld>
-</file>
-
-<file path=ppt/slides/slide9.xml><?xml version="1.0" encoding="utf-8"?>
-<p:sld xmlns:a="http://schemas.openxmlformats.org/drawingml/2006/main" xmlns:r="http://schemas.openxmlformats.org/officeDocument/2006/relationships" xmlns:p="http://schemas.openxmlformats.org/presentationml/2006/main">
-  <p:cSld>
-    <p:spTree>
-      <p:nvGrpSpPr>
-        <p:cNvPr id="1" name=""/>
-        <p:cNvGrpSpPr/>
-        <p:nvPr/>
-      </p:nvGrpSpPr>
-      <p:grpSpPr>
-        <a:xfrm>
-          <a:off x="0" y="0"/>
-          <a:ext cx="0" cy="0"/>
-          <a:chOff x="0" y="0"/>
-          <a:chExt cx="0" cy="0"/>
-        </a:xfrm>
-      </p:grpSpPr>
-      <p:pic>
-        <p:nvPicPr>
-          <p:cNvPr id="3" name="图片 2">
-            <a:extLst>
-              <a:ext uri="{FF2B5EF4-FFF2-40B4-BE49-F238E27FC236}">
-                <a16:creationId xmlns:a16="http://schemas.microsoft.com/office/drawing/2014/main" id="{C8C6938B-9499-8756-F601-B19093137DEC}"/>
-              </a:ext>
-            </a:extLst>
-          </p:cNvPr>
-          <p:cNvPicPr>
-            <a:picLocks noChangeAspect="1"/>
-          </p:cNvPicPr>
-          <p:nvPr/>
-        </p:nvPicPr>
-        <p:blipFill>
-          <a:blip r:embed="rId3">
-            <a:alphaModFix amt="35000"/>
-            <a:extLst>
-              <a:ext uri="{28A0092B-C50C-407E-A947-70E740481C1C}">
-                <a14:useLocalDpi xmlns:a14="http://schemas.microsoft.com/office/drawing/2010/main" val="0"/>
-              </a:ext>
-            </a:extLst>
-          </a:blip>
-          <a:srcRect/>
-          <a:stretch/>
-        </p:blipFill>
-        <p:spPr>
-          <a:xfrm>
-            <a:off x="0" y="0"/>
-            <a:ext cx="2438400" cy="2438400"/>
-          </a:xfrm>
-          <a:prstGeom prst="rect">
-            <a:avLst/>
-          </a:prstGeom>
-        </p:spPr>
-      </p:pic>
-    </p:spTree>
-    <p:extLst>
-      <p:ext uri="{BB962C8B-B14F-4D97-AF65-F5344CB8AC3E}">
-        <p14:creationId xmlns:p14="http://schemas.microsoft.com/office/powerpoint/2010/main" val="2395890437"/>
       </p:ext>
     </p:extLst>
   </p:cSld>
